--- a/Гагаринские/Принципы проектирования СОЕЯ интерфейсов.pptx
+++ b/Гагаринские/Принципы проектирования СОЕЯ интерфейсов.pptx
@@ -308,7 +308,7 @@
           <a:p>
             <a:fld id="{62039D10-B407-417D-B9A7-5ABFBCE35229}" type="datetimeFigureOut">
               <a:rPr lang="ru-RU" smtClean="0"/>
-              <a:t>13.04.2022</a:t>
+              <a:t>14.04.2022</a:t>
             </a:fld>
             <a:endParaRPr lang="ru-RU"/>
           </a:p>
@@ -583,7 +583,7 @@
           <a:p>
             <a:fld id="{62039D10-B407-417D-B9A7-5ABFBCE35229}" type="datetimeFigureOut">
               <a:rPr lang="ru-RU" smtClean="0"/>
-              <a:t>13.04.2022</a:t>
+              <a:t>14.04.2022</a:t>
             </a:fld>
             <a:endParaRPr lang="ru-RU"/>
           </a:p>
@@ -777,7 +777,7 @@
           <a:p>
             <a:fld id="{62039D10-B407-417D-B9A7-5ABFBCE35229}" type="datetimeFigureOut">
               <a:rPr lang="ru-RU" smtClean="0"/>
-              <a:t>13.04.2022</a:t>
+              <a:t>14.04.2022</a:t>
             </a:fld>
             <a:endParaRPr lang="ru-RU"/>
           </a:p>
@@ -1050,7 +1050,7 @@
           <a:p>
             <a:fld id="{62039D10-B407-417D-B9A7-5ABFBCE35229}" type="datetimeFigureOut">
               <a:rPr lang="ru-RU" smtClean="0"/>
-              <a:t>13.04.2022</a:t>
+              <a:t>14.04.2022</a:t>
             </a:fld>
             <a:endParaRPr lang="ru-RU"/>
           </a:p>
@@ -1391,7 +1391,7 @@
           <a:p>
             <a:fld id="{62039D10-B407-417D-B9A7-5ABFBCE35229}" type="datetimeFigureOut">
               <a:rPr lang="ru-RU" smtClean="0"/>
-              <a:t>13.04.2022</a:t>
+              <a:t>14.04.2022</a:t>
             </a:fld>
             <a:endParaRPr lang="ru-RU"/>
           </a:p>
@@ -2014,7 +2014,7 @@
           <a:p>
             <a:fld id="{62039D10-B407-417D-B9A7-5ABFBCE35229}" type="datetimeFigureOut">
               <a:rPr lang="ru-RU" smtClean="0"/>
-              <a:t>13.04.2022</a:t>
+              <a:t>14.04.2022</a:t>
             </a:fld>
             <a:endParaRPr lang="ru-RU"/>
           </a:p>
@@ -2874,7 +2874,7 @@
           <a:p>
             <a:fld id="{62039D10-B407-417D-B9A7-5ABFBCE35229}" type="datetimeFigureOut">
               <a:rPr lang="ru-RU" smtClean="0"/>
-              <a:t>13.04.2022</a:t>
+              <a:t>14.04.2022</a:t>
             </a:fld>
             <a:endParaRPr lang="ru-RU"/>
           </a:p>
@@ -3044,7 +3044,7 @@
           <a:p>
             <a:fld id="{62039D10-B407-417D-B9A7-5ABFBCE35229}" type="datetimeFigureOut">
               <a:rPr lang="ru-RU" smtClean="0"/>
-              <a:t>13.04.2022</a:t>
+              <a:t>14.04.2022</a:t>
             </a:fld>
             <a:endParaRPr lang="ru-RU"/>
           </a:p>
@@ -3224,7 +3224,7 @@
           <a:p>
             <a:fld id="{62039D10-B407-417D-B9A7-5ABFBCE35229}" type="datetimeFigureOut">
               <a:rPr lang="ru-RU" smtClean="0"/>
-              <a:t>13.04.2022</a:t>
+              <a:t>14.04.2022</a:t>
             </a:fld>
             <a:endParaRPr lang="ru-RU"/>
           </a:p>
@@ -3394,7 +3394,7 @@
           <a:p>
             <a:fld id="{62039D10-B407-417D-B9A7-5ABFBCE35229}" type="datetimeFigureOut">
               <a:rPr lang="ru-RU" smtClean="0"/>
-              <a:t>13.04.2022</a:t>
+              <a:t>14.04.2022</a:t>
             </a:fld>
             <a:endParaRPr lang="ru-RU"/>
           </a:p>
@@ -3641,7 +3641,7 @@
           <a:p>
             <a:fld id="{62039D10-B407-417D-B9A7-5ABFBCE35229}" type="datetimeFigureOut">
               <a:rPr lang="ru-RU" smtClean="0"/>
-              <a:t>13.04.2022</a:t>
+              <a:t>14.04.2022</a:t>
             </a:fld>
             <a:endParaRPr lang="ru-RU"/>
           </a:p>
@@ -3933,7 +3933,7 @@
           <a:p>
             <a:fld id="{62039D10-B407-417D-B9A7-5ABFBCE35229}" type="datetimeFigureOut">
               <a:rPr lang="ru-RU" smtClean="0"/>
-              <a:t>13.04.2022</a:t>
+              <a:t>14.04.2022</a:t>
             </a:fld>
             <a:endParaRPr lang="ru-RU"/>
           </a:p>
@@ -4377,7 +4377,7 @@
           <a:p>
             <a:fld id="{62039D10-B407-417D-B9A7-5ABFBCE35229}" type="datetimeFigureOut">
               <a:rPr lang="ru-RU" smtClean="0"/>
-              <a:t>13.04.2022</a:t>
+              <a:t>14.04.2022</a:t>
             </a:fld>
             <a:endParaRPr lang="ru-RU"/>
           </a:p>
@@ -4495,7 +4495,7 @@
           <a:p>
             <a:fld id="{62039D10-B407-417D-B9A7-5ABFBCE35229}" type="datetimeFigureOut">
               <a:rPr lang="ru-RU" smtClean="0"/>
-              <a:t>13.04.2022</a:t>
+              <a:t>14.04.2022</a:t>
             </a:fld>
             <a:endParaRPr lang="ru-RU"/>
           </a:p>
@@ -4590,7 +4590,7 @@
           <a:p>
             <a:fld id="{62039D10-B407-417D-B9A7-5ABFBCE35229}" type="datetimeFigureOut">
               <a:rPr lang="ru-RU" smtClean="0"/>
-              <a:t>13.04.2022</a:t>
+              <a:t>14.04.2022</a:t>
             </a:fld>
             <a:endParaRPr lang="ru-RU"/>
           </a:p>
@@ -4869,7 +4869,7 @@
           <a:p>
             <a:fld id="{62039D10-B407-417D-B9A7-5ABFBCE35229}" type="datetimeFigureOut">
               <a:rPr lang="ru-RU" smtClean="0"/>
-              <a:t>13.04.2022</a:t>
+              <a:t>14.04.2022</a:t>
             </a:fld>
             <a:endParaRPr lang="ru-RU"/>
           </a:p>
@@ -5144,7 +5144,7 @@
           <a:p>
             <a:fld id="{62039D10-B407-417D-B9A7-5ABFBCE35229}" type="datetimeFigureOut">
               <a:rPr lang="ru-RU" smtClean="0"/>
-              <a:t>13.04.2022</a:t>
+              <a:t>14.04.2022</a:t>
             </a:fld>
             <a:endParaRPr lang="ru-RU"/>
           </a:p>
@@ -5573,7 +5573,7 @@
           <a:p>
             <a:fld id="{62039D10-B407-417D-B9A7-5ABFBCE35229}" type="datetimeFigureOut">
               <a:rPr lang="ru-RU" smtClean="0"/>
-              <a:t>13.04.2022</a:t>
+              <a:t>14.04.2022</a:t>
             </a:fld>
             <a:endParaRPr lang="ru-RU"/>
           </a:p>
@@ -7191,7 +7191,13 @@
               <a:rPr lang="ru-RU" sz="2000" dirty="0" smtClean="0">
                 <a:latin typeface="Century Gothic (Заголовки)"/>
               </a:rPr>
-              <a:t> В.А.</a:t>
+              <a:t> </a:t>
+            </a:r>
+            <a:r>
+              <a:rPr lang="ru-RU" sz="2000" dirty="0" smtClean="0">
+                <a:latin typeface="Century Gothic (Заголовки)"/>
+              </a:rPr>
+              <a:t>В.С.</a:t>
             </a:r>
             <a:endParaRPr lang="ru-RU" sz="2000" dirty="0">
               <a:latin typeface="Century Gothic (Заголовки)"/>
@@ -7216,10 +7222,22 @@
           </a:p>
           <a:p>
             <a:r>
+              <a:rPr lang="ru-RU" sz="2000" dirty="0">
+                <a:latin typeface="Century Gothic (Заголовки)"/>
+              </a:rPr>
+              <a:t>п</a:t>
+            </a:r>
+            <a:r>
               <a:rPr lang="ru-RU" sz="2000" dirty="0" smtClean="0">
                 <a:latin typeface="Century Gothic (Заголовки)"/>
               </a:rPr>
-              <a:t>Фомичев В.А</a:t>
+              <a:t>рофессор Фомичев </a:t>
+            </a:r>
+            <a:r>
+              <a:rPr lang="ru-RU" sz="2000" dirty="0" smtClean="0">
+                <a:latin typeface="Century Gothic (Заголовки)"/>
+              </a:rPr>
+              <a:t>В.А</a:t>
             </a:r>
             <a:r>
               <a:rPr lang="ru-RU" sz="2000" dirty="0">
@@ -8069,7 +8087,25 @@
               <a:rPr lang="ru-RU" sz="2000" dirty="0" smtClean="0">
                 <a:latin typeface="Century Gothic (Заголовки)"/>
               </a:rPr>
-              <a:t> В.А.</a:t>
+              <a:t> </a:t>
+            </a:r>
+            <a:r>
+              <a:rPr lang="ru-RU" sz="2000" dirty="0" smtClean="0">
+                <a:latin typeface="Century Gothic (Заголовки)"/>
+              </a:rPr>
+              <a:t>В.</a:t>
+            </a:r>
+            <a:r>
+              <a:rPr lang="en-US" sz="2000" dirty="0" smtClean="0">
+                <a:latin typeface="Century Gothic (Заголовки)"/>
+              </a:rPr>
+              <a:t>C</a:t>
+            </a:r>
+            <a:r>
+              <a:rPr lang="ru-RU" sz="2000" dirty="0" smtClean="0">
+                <a:latin typeface="Century Gothic (Заголовки)"/>
+              </a:rPr>
+              <a:t>.</a:t>
             </a:r>
             <a:endParaRPr lang="ru-RU" sz="2000" dirty="0">
               <a:latin typeface="Century Gothic (Заголовки)"/>
@@ -8204,19 +8240,7 @@
               <a:rPr lang="ru-RU" sz="2800" dirty="0" smtClean="0">
                 <a:latin typeface="Century Gothic (Заголовки)"/>
               </a:rPr>
-              <a:t>Необходимо реализовать семантически-ориентированный </a:t>
-            </a:r>
-            <a:r>
-              <a:rPr lang="ru-RU" sz="2800" dirty="0" smtClean="0">
-                <a:latin typeface="Century Gothic (Заголовки)"/>
-              </a:rPr>
-              <a:t>естественно-языковой интерфейс </a:t>
-            </a:r>
-            <a:r>
-              <a:rPr lang="ru-RU" sz="2800" dirty="0" smtClean="0">
-                <a:latin typeface="Century Gothic (Заголовки)"/>
-              </a:rPr>
-              <a:t>для взаимодействия с системой открытых данных.</a:t>
+              <a:t>Необходимо реализовать семантически-ориентированный естественно-языковой интерфейс для взаимодействия с системой открытых данных.</a:t>
             </a:r>
             <a:endParaRPr lang="en-US" sz="2800" dirty="0" smtClean="0">
               <a:latin typeface="Century Gothic (Заголовки)"/>
@@ -8413,11 +8437,7 @@
             </a:r>
             <a:r>
               <a:rPr lang="ru-RU" sz="2400" dirty="0" smtClean="0"/>
-              <a:t>графов, </a:t>
-            </a:r>
-            <a:r>
-              <a:rPr lang="ru-RU" sz="2400" dirty="0" smtClean="0"/>
-              <a:t>представляющих тройки</a:t>
+              <a:t>графов, представляющих тройки</a:t>
             </a:r>
             <a:r>
               <a:rPr lang="en-US" sz="2400" dirty="0" smtClean="0"/>
@@ -9951,15 +9971,7 @@
             </a:pPr>
             <a:r>
               <a:rPr lang="ru-RU" sz="2400" dirty="0" smtClean="0"/>
-              <a:t>Предикаты, описывающие одно и </a:t>
-            </a:r>
-            <a:r>
-              <a:rPr lang="ru-RU" sz="2400" dirty="0" smtClean="0"/>
-              <a:t>то же </a:t>
-            </a:r>
-            <a:r>
-              <a:rPr lang="ru-RU" sz="2400" dirty="0" smtClean="0"/>
-              <a:t>отношение между объектами, могут иметь разные имена даже в рамках одной онтологии.</a:t>
+              <a:t>Предикаты, описывающие одно и то же отношение между объектами, могут иметь разные имена даже в рамках одной онтологии.</a:t>
             </a:r>
           </a:p>
           <a:p>
@@ -10377,8 +10389,9 @@
             </a:r>
             <a:r>
               <a:rPr lang="ru-RU" sz="2400" dirty="0" smtClean="0"/>
-              <a:t>?:</a:t>
-            </a:r>
+              <a:t>:</a:t>
+            </a:r>
+            <a:endParaRPr lang="ru-RU" sz="2400" dirty="0" smtClean="0"/>
           </a:p>
           <a:p>
             <a:r>
